--- a/Slides/Scikit01-MachineLearningBasics.pptx
+++ b/Slides/Scikit01-MachineLearningBasics.pptx
@@ -4586,13 +4586,10 @@
           <a:lstStyle/>
           <a:p>
             <a:r>
-              <a:rPr lang="en-US" altLang="zh-TW" dirty="0"/>
-              <a:t>AI</a:t>
-            </a:r>
-            <a:r>
-              <a:rPr lang="zh-TW" altLang="en-US" dirty="0"/>
-              <a:t>和深度學習</a:t>
-            </a:r>
+              <a:rPr lang="en-US" altLang="zh-TW" dirty="0" smtClean="0"/>
+              <a:t>AI, ML and DL</a:t>
+            </a:r>
+            <a:endParaRPr lang="zh-TW" altLang="en-US" dirty="0"/>
           </a:p>
         </p:txBody>
       </p:sp>
